--- a/Blood Bank.pptx
+++ b/Blood Bank.pptx
@@ -123,6 +123,22 @@
       </a:defRPr>
     </a:lvl9pPr>
   </p:defaultTextStyle>
+  <p:extLst>
+    <p:ext uri="{EFAFB233-063F-42B5-8137-9DF3F51BA10A}">
+      <p15:sldGuideLst xmlns:p15="http://schemas.microsoft.com/office/powerpoint/2012/main">
+        <p15:guide id="1" orient="horz" pos="2160">
+          <p15:clr>
+            <a:srgbClr val="A4A3A4"/>
+          </p15:clr>
+        </p15:guide>
+        <p15:guide id="2" pos="2880">
+          <p15:clr>
+            <a:srgbClr val="A4A3A4"/>
+          </p15:clr>
+        </p15:guide>
+      </p15:sldGuideLst>
+    </p:ext>
+  </p:extLst>
 </p:presentation>
 </file>
 
@@ -206,9 +222,7 @@
         </p:style>
         <p:txBody>
           <a:bodyPr anchor="ctr"/>
-          <a:lstStyle>
-            <a:extLst/>
-          </a:lstStyle>
+          <a:lstStyle/>
           <a:p>
             <a:pPr algn="ctr" eaLnBrk="1" latinLnBrk="0" hangingPunct="1"/>
             <a:endParaRPr kumimoji="0" lang="en-US"/>
@@ -421,9 +435,7 @@
           </p:spPr>
           <p:txBody>
             <a:bodyPr vert="horz" wrap="square" lIns="91440" tIns="45720" rIns="91440" bIns="45720" anchor="t" compatLnSpc="1"/>
-            <a:lstStyle>
-              <a:extLst/>
-            </a:lstStyle>
+            <a:lstStyle/>
             <a:p>
               <a:endParaRPr kumimoji="0" lang="en-US"/>
             </a:p>
@@ -503,9 +515,7 @@
           </p:spPr>
           <p:txBody>
             <a:bodyPr vert="horz" wrap="square" lIns="91440" tIns="45720" rIns="91440" bIns="45720" anchor="t" compatLnSpc="1"/>
-            <a:lstStyle>
-              <a:extLst/>
-            </a:lstStyle>
+            <a:lstStyle/>
             <a:p>
               <a:endParaRPr kumimoji="0" lang="en-US"/>
             </a:p>
@@ -662,9 +672,7 @@
           </p:style>
           <p:txBody>
             <a:bodyPr vert="horz" wrap="square" lIns="91440" tIns="45720" rIns="91440" bIns="45720" anchor="ctr" compatLnSpc="1"/>
-            <a:lstStyle>
-              <a:extLst/>
-            </a:lstStyle>
+            <a:lstStyle/>
             <a:p>
               <a:pPr algn="ctr" eaLnBrk="1" latinLnBrk="0" hangingPunct="1"/>
               <a:endParaRPr kumimoji="0" lang="en-US"/>
@@ -752,7 +760,7 @@
             <a:fld id="{1D8BD707-D9CF-40AE-B4C6-C98DA3205C09}" type="datetimeFigureOut">
               <a:rPr lang="en-US" smtClean="0"/>
               <a:pPr/>
-              <a:t>1/5/2019</a:t>
+              <a:t>1/6/2019</a:t>
             </a:fld>
             <a:endParaRPr lang="en-US"/>
           </a:p>
@@ -859,9 +867,7 @@
         <p:spPr/>
         <p:txBody>
           <a:bodyPr/>
-          <a:lstStyle>
-            <a:extLst/>
-          </a:lstStyle>
+          <a:lstStyle/>
           <a:p>
             <a:r>
               <a:rPr kumimoji="0" lang="en-US" smtClean="0"/>
@@ -889,9 +895,7 @@
         </p:spPr>
         <p:txBody>
           <a:bodyPr vert="eaVert"/>
-          <a:lstStyle>
-            <a:extLst/>
-          </a:lstStyle>
+          <a:lstStyle/>
           <a:p>
             <a:pPr lvl="0" eaLnBrk="1" latinLnBrk="0" hangingPunct="1"/>
             <a:r>
@@ -943,14 +947,12 @@
         <p:spPr/>
         <p:txBody>
           <a:bodyPr/>
-          <a:lstStyle>
-            <a:extLst/>
-          </a:lstStyle>
+          <a:lstStyle/>
           <a:p>
             <a:fld id="{1D8BD707-D9CF-40AE-B4C6-C98DA3205C09}" type="datetimeFigureOut">
               <a:rPr lang="en-US" smtClean="0"/>
               <a:pPr/>
-              <a:t>1/5/2019</a:t>
+              <a:t>1/6/2019</a:t>
             </a:fld>
             <a:endParaRPr lang="en-US"/>
           </a:p>
@@ -969,9 +971,7 @@
         <p:spPr/>
         <p:txBody>
           <a:bodyPr/>
-          <a:lstStyle>
-            <a:extLst/>
-          </a:lstStyle>
+          <a:lstStyle/>
           <a:p>
             <a:endParaRPr lang="en-US"/>
           </a:p>
@@ -990,9 +990,7 @@
         <p:spPr/>
         <p:txBody>
           <a:bodyPr/>
-          <a:lstStyle>
-            <a:extLst/>
-          </a:lstStyle>
+          <a:lstStyle/>
           <a:p>
             <a:fld id="{B6F15528-21DE-4FAA-801E-634DDDAF4B2B}" type="slidenum">
               <a:rPr lang="en-US" smtClean="0"/>
@@ -1046,9 +1044,7 @@
         </p:spPr>
         <p:txBody>
           <a:bodyPr vert="eaVert"/>
-          <a:lstStyle>
-            <a:extLst/>
-          </a:lstStyle>
+          <a:lstStyle/>
           <a:p>
             <a:r>
               <a:rPr kumimoji="0" lang="en-US" smtClean="0"/>
@@ -1076,9 +1072,7 @@
         </p:spPr>
         <p:txBody>
           <a:bodyPr vert="eaVert"/>
-          <a:lstStyle>
-            <a:extLst/>
-          </a:lstStyle>
+          <a:lstStyle/>
           <a:p>
             <a:pPr lvl="0" eaLnBrk="1" latinLnBrk="0" hangingPunct="1"/>
             <a:r>
@@ -1130,14 +1124,12 @@
         <p:spPr/>
         <p:txBody>
           <a:bodyPr/>
-          <a:lstStyle>
-            <a:extLst/>
-          </a:lstStyle>
+          <a:lstStyle/>
           <a:p>
             <a:fld id="{1D8BD707-D9CF-40AE-B4C6-C98DA3205C09}" type="datetimeFigureOut">
               <a:rPr lang="en-US" smtClean="0"/>
               <a:pPr/>
-              <a:t>1/5/2019</a:t>
+              <a:t>1/6/2019</a:t>
             </a:fld>
             <a:endParaRPr lang="en-US"/>
           </a:p>
@@ -1156,9 +1148,7 @@
         <p:spPr/>
         <p:txBody>
           <a:bodyPr/>
-          <a:lstStyle>
-            <a:extLst/>
-          </a:lstStyle>
+          <a:lstStyle/>
           <a:p>
             <a:endParaRPr lang="en-US"/>
           </a:p>
@@ -1177,9 +1167,7 @@
         <p:spPr/>
         <p:txBody>
           <a:bodyPr/>
-          <a:lstStyle>
-            <a:extLst/>
-          </a:lstStyle>
+          <a:lstStyle/>
           <a:p>
             <a:fld id="{B6F15528-21DE-4FAA-801E-634DDDAF4B2B}" type="slidenum">
               <a:rPr lang="en-US" smtClean="0"/>
@@ -1228,9 +1216,7 @@
         <p:spPr/>
         <p:txBody>
           <a:bodyPr/>
-          <a:lstStyle>
-            <a:extLst/>
-          </a:lstStyle>
+          <a:lstStyle/>
           <a:p>
             <a:pPr lvl="0" eaLnBrk="1" latinLnBrk="0" hangingPunct="1"/>
             <a:r>
@@ -1282,14 +1268,12 @@
         <p:spPr/>
         <p:txBody>
           <a:bodyPr/>
-          <a:lstStyle>
-            <a:extLst/>
-          </a:lstStyle>
+          <a:lstStyle/>
           <a:p>
             <a:fld id="{1D8BD707-D9CF-40AE-B4C6-C98DA3205C09}" type="datetimeFigureOut">
               <a:rPr lang="en-US" smtClean="0"/>
               <a:pPr/>
-              <a:t>1/5/2019</a:t>
+              <a:t>1/6/2019</a:t>
             </a:fld>
             <a:endParaRPr lang="en-US"/>
           </a:p>
@@ -1308,9 +1292,7 @@
         <p:spPr/>
         <p:txBody>
           <a:bodyPr/>
-          <a:lstStyle>
-            <a:extLst/>
-          </a:lstStyle>
+          <a:lstStyle/>
           <a:p>
             <a:endParaRPr lang="en-US"/>
           </a:p>
@@ -1329,9 +1311,7 @@
         <p:spPr/>
         <p:txBody>
           <a:bodyPr/>
-          <a:lstStyle>
-            <a:extLst/>
-          </a:lstStyle>
+          <a:lstStyle/>
           <a:p>
             <a:fld id="{B6F15528-21DE-4FAA-801E-634DDDAF4B2B}" type="slidenum">
               <a:rPr lang="en-US" smtClean="0"/>
@@ -1355,9 +1335,7 @@
         <p:spPr/>
         <p:txBody>
           <a:bodyPr rtlCol="0"/>
-          <a:lstStyle>
-            <a:extLst/>
-          </a:lstStyle>
+          <a:lstStyle/>
           <a:p>
             <a:r>
               <a:rPr kumimoji="0" lang="en-US" smtClean="0"/>
@@ -1539,14 +1517,12 @@
         <p:spPr/>
         <p:txBody>
           <a:bodyPr/>
-          <a:lstStyle>
-            <a:extLst/>
-          </a:lstStyle>
+          <a:lstStyle/>
           <a:p>
             <a:fld id="{1D8BD707-D9CF-40AE-B4C6-C98DA3205C09}" type="datetimeFigureOut">
               <a:rPr lang="en-US" smtClean="0"/>
               <a:pPr/>
-              <a:t>1/5/2019</a:t>
+              <a:t>1/6/2019</a:t>
             </a:fld>
             <a:endParaRPr lang="en-US"/>
           </a:p>
@@ -1565,9 +1541,7 @@
         <p:spPr/>
         <p:txBody>
           <a:bodyPr/>
-          <a:lstStyle>
-            <a:extLst/>
-          </a:lstStyle>
+          <a:lstStyle/>
           <a:p>
             <a:endParaRPr lang="en-US"/>
           </a:p>
@@ -1586,9 +1560,7 @@
         <p:spPr/>
         <p:txBody>
           <a:bodyPr/>
-          <a:lstStyle>
-            <a:extLst/>
-          </a:lstStyle>
+          <a:lstStyle/>
           <a:p>
             <a:fld id="{B6F15528-21DE-4FAA-801E-634DDDAF4B2B}" type="slidenum">
               <a:rPr lang="en-US" smtClean="0"/>
@@ -1670,9 +1642,7 @@
         </p:style>
         <p:txBody>
           <a:bodyPr anchor="ctr"/>
-          <a:lstStyle>
-            <a:extLst/>
-          </a:lstStyle>
+          <a:lstStyle/>
           <a:p>
             <a:pPr algn="l" eaLnBrk="1" latinLnBrk="0" hangingPunct="1"/>
             <a:endParaRPr kumimoji="0" lang="en-US"/>
@@ -1750,9 +1720,7 @@
         </p:style>
         <p:txBody>
           <a:bodyPr anchor="ctr"/>
-          <a:lstStyle>
-            <a:extLst/>
-          </a:lstStyle>
+          <a:lstStyle/>
           <a:p>
             <a:pPr algn="l" eaLnBrk="1" latinLnBrk="0" hangingPunct="1"/>
             <a:endParaRPr kumimoji="0" lang="en-US"/>
@@ -1950,14 +1918,12 @@
         <p:spPr/>
         <p:txBody>
           <a:bodyPr/>
-          <a:lstStyle>
-            <a:extLst/>
-          </a:lstStyle>
+          <a:lstStyle/>
           <a:p>
             <a:fld id="{1D8BD707-D9CF-40AE-B4C6-C98DA3205C09}" type="datetimeFigureOut">
               <a:rPr lang="en-US" smtClean="0"/>
               <a:pPr/>
-              <a:t>1/5/2019</a:t>
+              <a:t>1/6/2019</a:t>
             </a:fld>
             <a:endParaRPr lang="en-US"/>
           </a:p>
@@ -1976,9 +1942,7 @@
         <p:spPr/>
         <p:txBody>
           <a:bodyPr/>
-          <a:lstStyle>
-            <a:extLst/>
-          </a:lstStyle>
+          <a:lstStyle/>
           <a:p>
             <a:endParaRPr lang="en-US"/>
           </a:p>
@@ -1997,9 +1961,7 @@
         <p:spPr/>
         <p:txBody>
           <a:bodyPr/>
-          <a:lstStyle>
-            <a:extLst/>
-          </a:lstStyle>
+          <a:lstStyle/>
           <a:p>
             <a:fld id="{B6F15528-21DE-4FAA-801E-634DDDAF4B2B}" type="slidenum">
               <a:rPr lang="en-US" smtClean="0"/>
@@ -2023,9 +1985,7 @@
         <p:spPr/>
         <p:txBody>
           <a:bodyPr rtlCol="0"/>
-          <a:lstStyle>
-            <a:extLst/>
-          </a:lstStyle>
+          <a:lstStyle/>
           <a:p>
             <a:r>
               <a:rPr kumimoji="0" lang="en-US" smtClean="0"/>
@@ -2398,14 +2358,12 @@
         <p:spPr/>
         <p:txBody>
           <a:bodyPr/>
-          <a:lstStyle>
-            <a:extLst/>
-          </a:lstStyle>
+          <a:lstStyle/>
           <a:p>
             <a:fld id="{1D8BD707-D9CF-40AE-B4C6-C98DA3205C09}" type="datetimeFigureOut">
               <a:rPr lang="en-US" smtClean="0"/>
               <a:pPr/>
-              <a:t>1/5/2019</a:t>
+              <a:t>1/6/2019</a:t>
             </a:fld>
             <a:endParaRPr lang="en-US"/>
           </a:p>
@@ -2424,9 +2382,7 @@
         <p:spPr/>
         <p:txBody>
           <a:bodyPr/>
-          <a:lstStyle>
-            <a:extLst/>
-          </a:lstStyle>
+          <a:lstStyle/>
           <a:p>
             <a:endParaRPr lang="en-US"/>
           </a:p>
@@ -2445,9 +2401,7 @@
         <p:spPr/>
         <p:txBody>
           <a:bodyPr/>
-          <a:lstStyle>
-            <a:extLst/>
-          </a:lstStyle>
+          <a:lstStyle/>
           <a:p>
             <a:fld id="{B6F15528-21DE-4FAA-801E-634DDDAF4B2B}" type="slidenum">
               <a:rPr lang="en-US" smtClean="0"/>
@@ -2501,14 +2455,12 @@
         <p:spPr/>
         <p:txBody>
           <a:bodyPr/>
-          <a:lstStyle>
-            <a:extLst/>
-          </a:lstStyle>
+          <a:lstStyle/>
           <a:p>
             <a:fld id="{1D8BD707-D9CF-40AE-B4C6-C98DA3205C09}" type="datetimeFigureOut">
               <a:rPr lang="en-US" smtClean="0"/>
               <a:pPr/>
-              <a:t>1/5/2019</a:t>
+              <a:t>1/6/2019</a:t>
             </a:fld>
             <a:endParaRPr lang="en-US"/>
           </a:p>
@@ -2527,9 +2479,7 @@
         <p:spPr/>
         <p:txBody>
           <a:bodyPr/>
-          <a:lstStyle>
-            <a:extLst/>
-          </a:lstStyle>
+          <a:lstStyle/>
           <a:p>
             <a:endParaRPr lang="en-US"/>
           </a:p>
@@ -2548,9 +2498,7 @@
         <p:spPr/>
         <p:txBody>
           <a:bodyPr/>
-          <a:lstStyle>
-            <a:extLst/>
-          </a:lstStyle>
+          <a:lstStyle/>
           <a:p>
             <a:fld id="{B6F15528-21DE-4FAA-801E-634DDDAF4B2B}" type="slidenum">
               <a:rPr lang="en-US" smtClean="0"/>
@@ -2574,9 +2522,7 @@
         <p:spPr/>
         <p:txBody>
           <a:bodyPr rtlCol="0"/>
-          <a:lstStyle>
-            <a:extLst/>
-          </a:lstStyle>
+          <a:lstStyle/>
           <a:p>
             <a:r>
               <a:rPr kumimoji="0" lang="en-US" smtClean="0"/>
@@ -2624,14 +2570,12 @@
         <p:spPr/>
         <p:txBody>
           <a:bodyPr/>
-          <a:lstStyle>
-            <a:extLst/>
-          </a:lstStyle>
+          <a:lstStyle/>
           <a:p>
             <a:fld id="{1D8BD707-D9CF-40AE-B4C6-C98DA3205C09}" type="datetimeFigureOut">
               <a:rPr lang="en-US" smtClean="0"/>
               <a:pPr/>
-              <a:t>1/5/2019</a:t>
+              <a:t>1/6/2019</a:t>
             </a:fld>
             <a:endParaRPr lang="en-US"/>
           </a:p>
@@ -2650,9 +2594,7 @@
         <p:spPr/>
         <p:txBody>
           <a:bodyPr/>
-          <a:lstStyle>
-            <a:extLst/>
-          </a:lstStyle>
+          <a:lstStyle/>
           <a:p>
             <a:endParaRPr lang="en-US"/>
           </a:p>
@@ -2671,9 +2613,7 @@
         <p:spPr/>
         <p:txBody>
           <a:bodyPr/>
-          <a:lstStyle>
-            <a:extLst/>
-          </a:lstStyle>
+          <a:lstStyle/>
           <a:p>
             <a:fld id="{B6F15528-21DE-4FAA-801E-634DDDAF4B2B}" type="slidenum">
               <a:rPr lang="en-US" smtClean="0"/>
@@ -2900,14 +2840,12 @@
         </p:spPr>
         <p:txBody>
           <a:bodyPr/>
-          <a:lstStyle>
-            <a:extLst/>
-          </a:lstStyle>
+          <a:lstStyle/>
           <a:p>
             <a:fld id="{1D8BD707-D9CF-40AE-B4C6-C98DA3205C09}" type="datetimeFigureOut">
               <a:rPr lang="en-US" smtClean="0"/>
               <a:pPr/>
-              <a:t>1/5/2019</a:t>
+              <a:t>1/6/2019</a:t>
             </a:fld>
             <a:endParaRPr lang="en-US"/>
           </a:p>
@@ -2926,9 +2864,7 @@
         <p:spPr/>
         <p:txBody>
           <a:bodyPr/>
-          <a:lstStyle>
-            <a:extLst/>
-          </a:lstStyle>
+          <a:lstStyle/>
           <a:p>
             <a:endParaRPr lang="en-US"/>
           </a:p>
@@ -2947,9 +2883,7 @@
         <p:spPr/>
         <p:txBody>
           <a:bodyPr/>
-          <a:lstStyle>
-            <a:extLst/>
-          </a:lstStyle>
+          <a:lstStyle/>
           <a:p>
             <a:fld id="{B6F15528-21DE-4FAA-801E-634DDDAF4B2B}" type="slidenum">
               <a:rPr lang="en-US" smtClean="0"/>
@@ -3114,7 +3048,7 @@
             <a:fld id="{1D8BD707-D9CF-40AE-B4C6-C98DA3205C09}" type="datetimeFigureOut">
               <a:rPr lang="en-US" smtClean="0"/>
               <a:pPr/>
-              <a:t>1/5/2019</a:t>
+              <a:t>1/6/2019</a:t>
             </a:fld>
             <a:endParaRPr lang="en-US"/>
           </a:p>
@@ -3310,9 +3244,7 @@
         </p:spPr>
         <p:txBody>
           <a:bodyPr vert="horz" wrap="square" lIns="91440" tIns="45720" rIns="91440" bIns="45720" anchor="t" compatLnSpc="1"/>
-          <a:lstStyle>
-            <a:extLst/>
-          </a:lstStyle>
+          <a:lstStyle/>
           <a:p>
             <a:endParaRPr kumimoji="0" lang="en-US"/>
           </a:p>
@@ -3392,9 +3324,7 @@
         </p:spPr>
         <p:txBody>
           <a:bodyPr vert="horz" wrap="square" lIns="91440" tIns="45720" rIns="91440" bIns="45720" anchor="t" compatLnSpc="1"/>
-          <a:lstStyle>
-            <a:extLst/>
-          </a:lstStyle>
+          <a:lstStyle/>
           <a:p>
             <a:endParaRPr kumimoji="0" lang="en-US"/>
           </a:p>
@@ -3502,9 +3432,7 @@
         </p:style>
         <p:txBody>
           <a:bodyPr vert="horz" wrap="square" lIns="91440" tIns="45720" rIns="91440" bIns="45720" anchor="ctr" compatLnSpc="1"/>
-          <a:lstStyle>
-            <a:extLst/>
-          </a:lstStyle>
+          <a:lstStyle/>
           <a:p>
             <a:pPr algn="ctr" eaLnBrk="1" latinLnBrk="0" hangingPunct="1"/>
             <a:endParaRPr kumimoji="0" lang="en-US"/>
@@ -3635,9 +3563,7 @@
         </p:style>
         <p:txBody>
           <a:bodyPr anchor="ctr"/>
-          <a:lstStyle>
-            <a:extLst/>
-          </a:lstStyle>
+          <a:lstStyle/>
           <a:p>
             <a:pPr algn="l" eaLnBrk="1" latinLnBrk="0" hangingPunct="1"/>
             <a:endParaRPr kumimoji="0" lang="en-US"/>
@@ -3715,9 +3641,7 @@
         </p:style>
         <p:txBody>
           <a:bodyPr anchor="ctr"/>
-          <a:lstStyle>
-            <a:extLst/>
-          </a:lstStyle>
+          <a:lstStyle/>
           <a:p>
             <a:pPr algn="l" eaLnBrk="1" latinLnBrk="0" hangingPunct="1"/>
             <a:endParaRPr kumimoji="0" lang="en-US"/>
@@ -3830,9 +3754,7 @@
         </p:spPr>
         <p:txBody>
           <a:bodyPr vert="horz" wrap="square" lIns="91440" tIns="45720" rIns="91440" bIns="45720" anchor="t" compatLnSpc="1"/>
-          <a:lstStyle>
-            <a:extLst/>
-          </a:lstStyle>
+          <a:lstStyle/>
           <a:p>
             <a:endParaRPr kumimoji="0" lang="en-US"/>
           </a:p>
@@ -3912,9 +3834,7 @@
         </p:spPr>
         <p:txBody>
           <a:bodyPr vert="horz" wrap="square" lIns="91440" tIns="45720" rIns="91440" bIns="45720" anchor="t" compatLnSpc="1"/>
-          <a:lstStyle>
-            <a:extLst/>
-          </a:lstStyle>
+          <a:lstStyle/>
           <a:p>
             <a:endParaRPr kumimoji="0" lang="en-US"/>
           </a:p>
@@ -4022,9 +3942,7 @@
         </p:style>
         <p:txBody>
           <a:bodyPr vert="horz" wrap="square" lIns="91440" tIns="45720" rIns="91440" bIns="45720" anchor="ctr" compatLnSpc="1"/>
-          <a:lstStyle>
-            <a:extLst/>
-          </a:lstStyle>
+          <a:lstStyle/>
           <a:p>
             <a:pPr algn="ctr" eaLnBrk="1" latinLnBrk="0" hangingPunct="1"/>
             <a:endParaRPr kumimoji="0" lang="en-US"/>
@@ -4114,9 +4032,7 @@
               <a:bevelT w="25400" h="25400"/>
             </a:sp3d>
           </a:bodyPr>
-          <a:lstStyle>
-            <a:extLst/>
-          </a:lstStyle>
+          <a:lstStyle/>
           <a:p>
             <a:r>
               <a:rPr kumimoji="0" lang="en-US" smtClean="0"/>
@@ -4149,9 +4065,7 @@
           <a:bodyPr vert="horz">
             <a:normAutofit/>
           </a:bodyPr>
-          <a:lstStyle>
-            <a:extLst/>
-          </a:lstStyle>
+          <a:lstStyle/>
           <a:p>
             <a:pPr lvl="0" eaLnBrk="1" latinLnBrk="0" hangingPunct="1"/>
             <a:r>
@@ -4225,7 +4139,7 @@
             <a:fld id="{1D8BD707-D9CF-40AE-B4C6-C98DA3205C09}" type="datetimeFigureOut">
               <a:rPr lang="en-US" smtClean="0"/>
               <a:pPr/>
-              <a:t>1/5/2019</a:t>
+              <a:t>1/6/2019</a:t>
             </a:fld>
             <a:endParaRPr lang="en-US"/>
           </a:p>
@@ -5900,7 +5814,15 @@
                   <a:srgbClr val="002060"/>
                 </a:solidFill>
               </a:rPr>
-              <a:t>05-01-2019</a:t>
+              <a:t>10</a:t>
+            </a:r>
+            <a:r>
+              <a:rPr lang="en-GB" b="1" i="1" dirty="0" smtClean="0">
+                <a:solidFill>
+                  <a:srgbClr val="002060"/>
+                </a:solidFill>
+              </a:rPr>
+              <a:t>-01-2019</a:t>
             </a:r>
             <a:endParaRPr lang="en-GB" b="1" i="1" dirty="0">
               <a:solidFill>
